--- a/img/Research.pptx
+++ b/img/Research.pptx
@@ -116,7 +116,7 @@
 <p1510:revInfo xmlns:a="http://schemas.openxmlformats.org/drawingml/2006/main" xmlns:r="http://schemas.openxmlformats.org/officeDocument/2006/relationships" xmlns:p1510="http://schemas.microsoft.com/office/powerpoint/2015/10/main">
   <p1510:revLst>
     <p1510:client id="{5B2E8B63-2797-4345-8811-E66C38CEEE2D}" v="1194" dt="2022-04-21T10:01:24.748"/>
-    <p1510:client id="{DAB831E3-6026-4C13-BCE1-A263541474F2}" v="12" dt="2022-04-21T10:42:42.237"/>
+    <p1510:client id="{DAB831E3-6026-4C13-BCE1-A263541474F2}" v="37" dt="2022-04-21T11:17:00.055"/>
   </p1510:revLst>
 </p1510:revInfo>
 </file>
@@ -126,7 +126,7 @@
   <pc:docChgLst>
     <pc:chgData name="Maneesh Punetha" userId="bdfe3c5c-9e63-47d9-aff0-a14b31d11569" providerId="ADAL" clId="{DAB831E3-6026-4C13-BCE1-A263541474F2}"/>
     <pc:docChg chg="undo custSel addSld delSld modSld modMainMaster">
-      <pc:chgData name="Maneesh Punetha" userId="bdfe3c5c-9e63-47d9-aff0-a14b31d11569" providerId="ADAL" clId="{DAB831E3-6026-4C13-BCE1-A263541474F2}" dt="2022-04-21T10:42:56.391" v="60" actId="1035"/>
+      <pc:chgData name="Maneesh Punetha" userId="bdfe3c5c-9e63-47d9-aff0-a14b31d11569" providerId="ADAL" clId="{DAB831E3-6026-4C13-BCE1-A263541474F2}" dt="2022-04-21T11:18:00.958" v="258" actId="1038"/>
       <pc:docMkLst>
         <pc:docMk/>
       </pc:docMkLst>
@@ -201,11 +201,19 @@
         </pc:sldMkLst>
       </pc:sldChg>
       <pc:sldChg chg="addSp delSp modSp mod">
-        <pc:chgData name="Maneesh Punetha" userId="bdfe3c5c-9e63-47d9-aff0-a14b31d11569" providerId="ADAL" clId="{DAB831E3-6026-4C13-BCE1-A263541474F2}" dt="2022-04-21T10:42:56.391" v="60" actId="1035"/>
+        <pc:chgData name="Maneesh Punetha" userId="bdfe3c5c-9e63-47d9-aff0-a14b31d11569" providerId="ADAL" clId="{DAB831E3-6026-4C13-BCE1-A263541474F2}" dt="2022-04-21T11:18:00.958" v="258" actId="1038"/>
         <pc:sldMkLst>
           <pc:docMk/>
           <pc:sldMk cId="323621980" sldId="266"/>
         </pc:sldMkLst>
+        <pc:spChg chg="add del mod">
+          <ac:chgData name="Maneesh Punetha" userId="bdfe3c5c-9e63-47d9-aff0-a14b31d11569" providerId="ADAL" clId="{DAB831E3-6026-4C13-BCE1-A263541474F2}" dt="2022-04-21T11:06:21.598" v="63"/>
+          <ac:spMkLst>
+            <pc:docMk/>
+            <pc:sldMk cId="323621980" sldId="266"/>
+            <ac:spMk id="2" creationId="{0C458D55-9038-4A73-BFAC-BC1DA4711A31}"/>
+          </ac:spMkLst>
+        </pc:spChg>
         <pc:spChg chg="mod">
           <ac:chgData name="Maneesh Punetha" userId="bdfe3c5c-9e63-47d9-aff0-a14b31d11569" providerId="ADAL" clId="{DAB831E3-6026-4C13-BCE1-A263541474F2}" dt="2022-04-21T10:36:06.370" v="9"/>
           <ac:spMkLst>
@@ -222,6 +230,14 @@
             <ac:spMk id="3" creationId="{19E61102-BD6F-497F-928B-E201CDFACA15}"/>
           </ac:spMkLst>
         </pc:spChg>
+        <pc:spChg chg="add mod">
+          <ac:chgData name="Maneesh Punetha" userId="bdfe3c5c-9e63-47d9-aff0-a14b31d11569" providerId="ADAL" clId="{DAB831E3-6026-4C13-BCE1-A263541474F2}" dt="2022-04-21T11:18:00.958" v="258" actId="1038"/>
+          <ac:spMkLst>
+            <pc:docMk/>
+            <pc:sldMk cId="323621980" sldId="266"/>
+            <ac:spMk id="3" creationId="{31159ADD-83DD-4212-99A4-1B557510D361}"/>
+          </ac:spMkLst>
+        </pc:spChg>
         <pc:spChg chg="mod">
           <ac:chgData name="Maneesh Punetha" userId="bdfe3c5c-9e63-47d9-aff0-a14b31d11569" providerId="ADAL" clId="{DAB831E3-6026-4C13-BCE1-A263541474F2}" dt="2022-04-21T10:36:06.370" v="9"/>
           <ac:spMkLst>
@@ -236,6 +252,14 @@
             <pc:docMk/>
             <pc:sldMk cId="323621980" sldId="266"/>
             <ac:spMk id="5" creationId="{E8105413-B963-4A1D-8995-259547A9FCA3}"/>
+          </ac:spMkLst>
+        </pc:spChg>
+        <pc:spChg chg="add del">
+          <ac:chgData name="Maneesh Punetha" userId="bdfe3c5c-9e63-47d9-aff0-a14b31d11569" providerId="ADAL" clId="{DAB831E3-6026-4C13-BCE1-A263541474F2}" dt="2022-04-21T11:08:24.250" v="109"/>
+          <ac:spMkLst>
+            <pc:docMk/>
+            <pc:sldMk cId="323621980" sldId="266"/>
+            <ac:spMk id="6" creationId="{A37D3D8B-2015-40E7-83CA-0310FB4CEFA3}"/>
           </ac:spMkLst>
         </pc:spChg>
         <pc:spChg chg="mod">
@@ -268,6 +292,14 @@
             <pc:docMk/>
             <pc:sldMk cId="323621980" sldId="266"/>
             <ac:spMk id="9" creationId="{41CE98E4-B884-481D-ACA7-CE717C4A610F}"/>
+          </ac:spMkLst>
+        </pc:spChg>
+        <pc:spChg chg="add del">
+          <ac:chgData name="Maneesh Punetha" userId="bdfe3c5c-9e63-47d9-aff0-a14b31d11569" providerId="ADAL" clId="{DAB831E3-6026-4C13-BCE1-A263541474F2}" dt="2022-04-21T11:11:49.360" v="131"/>
+          <ac:spMkLst>
+            <pc:docMk/>
+            <pc:sldMk cId="323621980" sldId="266"/>
+            <ac:spMk id="9" creationId="{E62EFA2D-3941-4EE5-AFF3-BDE06559E18A}"/>
           </ac:spMkLst>
         </pc:spChg>
         <pc:spChg chg="mod">
@@ -4102,6 +4134,46 @@
             <ac:grpSpMk id="522" creationId="{E4DABA73-12DE-4A08-A2F4-43EB8FF5A138}"/>
           </ac:grpSpMkLst>
         </pc:grpChg>
+        <pc:graphicFrameChg chg="add del mod">
+          <ac:chgData name="Maneesh Punetha" userId="bdfe3c5c-9e63-47d9-aff0-a14b31d11569" providerId="ADAL" clId="{DAB831E3-6026-4C13-BCE1-A263541474F2}" dt="2022-04-21T11:07:18.593" v="75"/>
+          <ac:graphicFrameMkLst>
+            <pc:docMk/>
+            <pc:sldMk cId="323621980" sldId="266"/>
+            <ac:graphicFrameMk id="4" creationId="{2407989B-B05A-435E-82C7-C28F296CDD48}"/>
+          </ac:graphicFrameMkLst>
+        </pc:graphicFrameChg>
+        <pc:graphicFrameChg chg="add del mod">
+          <ac:chgData name="Maneesh Punetha" userId="bdfe3c5c-9e63-47d9-aff0-a14b31d11569" providerId="ADAL" clId="{DAB831E3-6026-4C13-BCE1-A263541474F2}" dt="2022-04-21T11:08:24.250" v="109"/>
+          <ac:graphicFrameMkLst>
+            <pc:docMk/>
+            <pc:sldMk cId="323621980" sldId="266"/>
+            <ac:graphicFrameMk id="5" creationId="{6CA0D1CA-EE1C-4D4A-AB23-1B9F7EE26357}"/>
+          </ac:graphicFrameMkLst>
+        </pc:graphicFrameChg>
+        <pc:graphicFrameChg chg="add del mod">
+          <ac:chgData name="Maneesh Punetha" userId="bdfe3c5c-9e63-47d9-aff0-a14b31d11569" providerId="ADAL" clId="{DAB831E3-6026-4C13-BCE1-A263541474F2}" dt="2022-04-21T11:08:39.261" v="120"/>
+          <ac:graphicFrameMkLst>
+            <pc:docMk/>
+            <pc:sldMk cId="323621980" sldId="266"/>
+            <ac:graphicFrameMk id="7" creationId="{A7D2034C-0598-4A64-B09C-41CB7DFC7879}"/>
+          </ac:graphicFrameMkLst>
+        </pc:graphicFrameChg>
+        <pc:graphicFrameChg chg="add del mod">
+          <ac:chgData name="Maneesh Punetha" userId="bdfe3c5c-9e63-47d9-aff0-a14b31d11569" providerId="ADAL" clId="{DAB831E3-6026-4C13-BCE1-A263541474F2}" dt="2022-04-21T11:11:49.360" v="131"/>
+          <ac:graphicFrameMkLst>
+            <pc:docMk/>
+            <pc:sldMk cId="323621980" sldId="266"/>
+            <ac:graphicFrameMk id="8" creationId="{1F4356A4-B5E5-42CD-A99E-34BEA0FD8103}"/>
+          </ac:graphicFrameMkLst>
+        </pc:graphicFrameChg>
+        <pc:graphicFrameChg chg="add del mod">
+          <ac:chgData name="Maneesh Punetha" userId="bdfe3c5c-9e63-47d9-aff0-a14b31d11569" providerId="ADAL" clId="{DAB831E3-6026-4C13-BCE1-A263541474F2}" dt="2022-04-21T11:17:00.055" v="211"/>
+          <ac:graphicFrameMkLst>
+            <pc:docMk/>
+            <pc:sldMk cId="323621980" sldId="266"/>
+            <ac:graphicFrameMk id="10" creationId="{99541457-BF82-42F9-B695-4A77412F8440}"/>
+          </ac:graphicFrameMkLst>
+        </pc:graphicFrameChg>
         <pc:cxnChg chg="mod">
           <ac:chgData name="Maneesh Punetha" userId="bdfe3c5c-9e63-47d9-aff0-a14b31d11569" providerId="ADAL" clId="{DAB831E3-6026-4C13-BCE1-A263541474F2}" dt="2022-04-21T10:36:06.370" v="9"/>
           <ac:cxnSpMkLst>
@@ -16013,6 +16085,153 @@
           </p:txBody>
         </p:sp>
       </p:grpSp>
+      <p:sp>
+        <p:nvSpPr>
+          <p:cNvPr id="3" name="TextBox 2">
+            <a:extLst>
+              <a:ext uri="{FF2B5EF4-FFF2-40B4-BE49-F238E27FC236}">
+                <a16:creationId xmlns:a16="http://schemas.microsoft.com/office/drawing/2014/main" id="{31159ADD-83DD-4212-99A4-1B557510D361}"/>
+              </a:ext>
+            </a:extLst>
+          </p:cNvPr>
+          <p:cNvSpPr txBox="1"/>
+          <p:nvPr/>
+        </p:nvSpPr>
+        <p:spPr>
+          <a:xfrm>
+            <a:off x="56148" y="40107"/>
+            <a:ext cx="4431820" cy="5364610"/>
+          </a:xfrm>
+          <a:prstGeom prst="rect">
+            <a:avLst/>
+          </a:prstGeom>
+          <a:noFill/>
+        </p:spPr>
+        <p:txBody>
+          <a:bodyPr wrap="square" rtlCol="0">
+            <a:spAutoFit/>
+          </a:bodyPr>
+          <a:lstStyle/>
+          <a:p>
+            <a:pPr>
+              <a:lnSpc>
+                <a:spcPct val="150000"/>
+              </a:lnSpc>
+              <a:spcAft>
+                <a:spcPts val="1200"/>
+              </a:spcAft>
+            </a:pPr>
+            <a:r>
+              <a:rPr lang="en-GB" sz="900" dirty="0">
+                <a:effectLst/>
+                <a:latin typeface="Calibri" panose="020F0502020204030204" pitchFamily="34" charset="0"/>
+                <a:ea typeface="Calibri" panose="020F0502020204030204" pitchFamily="34" charset="0"/>
+                <a:cs typeface="Arial" panose="020B0604020202020204" pitchFamily="34" charset="0"/>
+              </a:rPr>
+              <a:t>During a reactor meltdown scenario, the corium gets discharged into a cavity. This cavity is located below the Reactor Pressure Vessel (RPV), which allows the molten corium to cool via different cooling mechanisms. Efficient cooling of the high-temperature corium melt prevents damage to the containment structure and release of radioactivity in the environment. </a:t>
+            </a:r>
+          </a:p>
+          <a:p>
+            <a:pPr>
+              <a:lnSpc>
+                <a:spcPct val="150000"/>
+              </a:lnSpc>
+              <a:spcAft>
+                <a:spcPts val="1200"/>
+              </a:spcAft>
+            </a:pPr>
+            <a:r>
+              <a:rPr lang="en-US" sz="900" dirty="0">
+                <a:latin typeface="Calibri" panose="020F0502020204030204" pitchFamily="34" charset="0"/>
+                <a:ea typeface="Calibri" panose="020F0502020204030204" pitchFamily="34" charset="0"/>
+                <a:cs typeface="Arial" panose="020B0604020202020204" pitchFamily="34" charset="0"/>
+              </a:rPr>
+              <a:t>Schematic of corium melt spreading on the shallow pool containment cavity post reactor meltdown is shown in Figure (a). Here, the large surface area of the melt after spreading significantly enhances the corium cooling. Different flow regions exist while spreading; jet region, impingement region, and spreading region. These three regions are shown in Figure (b). During first two regions the melt is barely cooled. The main cooling occurs in melt spreading region, where melt loses all heat to the coolant pool and containment structure.</a:t>
+            </a:r>
+            <a:endParaRPr lang="en-GB" sz="900" dirty="0">
+              <a:latin typeface="Calibri" panose="020F0502020204030204" pitchFamily="34" charset="0"/>
+              <a:ea typeface="Calibri" panose="020F0502020204030204" pitchFamily="34" charset="0"/>
+              <a:cs typeface="Arial" panose="020B0604020202020204" pitchFamily="34" charset="0"/>
+            </a:endParaRPr>
+          </a:p>
+          <a:p>
+            <a:pPr>
+              <a:lnSpc>
+                <a:spcPct val="150000"/>
+              </a:lnSpc>
+              <a:spcAft>
+                <a:spcPts val="1200"/>
+              </a:spcAft>
+            </a:pPr>
+            <a:r>
+              <a:rPr lang="en-US" sz="900" dirty="0">
+                <a:effectLst/>
+                <a:latin typeface="Calibri" panose="020F0502020204030204" pitchFamily="34" charset="0"/>
+                <a:ea typeface="Calibri" panose="020F0502020204030204" pitchFamily="34" charset="0"/>
+                <a:cs typeface="Arial" panose="020B0604020202020204" pitchFamily="34" charset="0"/>
+              </a:rPr>
+              <a:t>The spreading in the pool is governed by three main forces i.e. the gravity force, inertia force, and viscous force. Corresponding to these acting forces, the spreading can be inertia-dominated, viscous-dominated.  The gravity force spread melt over the substrate surface until the molecular forces or solidification of melt front stops its movement. On the other hand, the viscous force and inertia force compete among each other. The spreading is inertia-gravity dominated when inertia force, </a:t>
+            </a:r>
+            <a:r>
+              <a:rPr lang="en-US" sz="900" dirty="0" err="1">
+                <a:effectLst/>
+                <a:latin typeface="Calibri" panose="020F0502020204030204" pitchFamily="34" charset="0"/>
+                <a:ea typeface="Calibri" panose="020F0502020204030204" pitchFamily="34" charset="0"/>
+                <a:cs typeface="Arial" panose="020B0604020202020204" pitchFamily="34" charset="0"/>
+              </a:rPr>
+              <a:t>ρ_m</a:t>
+            </a:r>
+            <a:r>
+              <a:rPr lang="en-US" sz="900" dirty="0">
+                <a:effectLst/>
+                <a:latin typeface="Calibri" panose="020F0502020204030204" pitchFamily="34" charset="0"/>
+                <a:ea typeface="Calibri" panose="020F0502020204030204" pitchFamily="34" charset="0"/>
+                <a:cs typeface="Arial" panose="020B0604020202020204" pitchFamily="34" charset="0"/>
+              </a:rPr>
+              <a:t>∙(U×U)≫ viscous force, μ∇^2 U. It will be viscous gravity dominated when viscous force, μ∇^2 U≫  inertia force, </a:t>
+            </a:r>
+            <a:r>
+              <a:rPr lang="en-US" sz="900" dirty="0" err="1">
+                <a:effectLst/>
+                <a:latin typeface="Calibri" panose="020F0502020204030204" pitchFamily="34" charset="0"/>
+                <a:ea typeface="Calibri" panose="020F0502020204030204" pitchFamily="34" charset="0"/>
+                <a:cs typeface="Arial" panose="020B0604020202020204" pitchFamily="34" charset="0"/>
+              </a:rPr>
+              <a:t>ρ_m</a:t>
+            </a:r>
+            <a:r>
+              <a:rPr lang="en-US" sz="900" dirty="0">
+                <a:effectLst/>
+                <a:latin typeface="Calibri" panose="020F0502020204030204" pitchFamily="34" charset="0"/>
+                <a:ea typeface="Calibri" panose="020F0502020204030204" pitchFamily="34" charset="0"/>
+                <a:cs typeface="Arial" panose="020B0604020202020204" pitchFamily="34" charset="0"/>
+              </a:rPr>
+              <a:t>∙(U×U).  </a:t>
+            </a:r>
+            <a:r>
+              <a:rPr lang="en-US" sz="900" dirty="0"/>
+              <a:t>We aim to study the corium-coolant interaction during horizontal spreading over the substrate in a shallow pool. Both, the melt jet and impingement regions are skipped during the experiment with the use of a cylindrical gate system in the middle of the test section. A special quartz substrate is introduced which provides several advantages such as, low thermal conductivity, low thermal stress, advanced measurement capabilities. This new facility is known as </a:t>
+            </a:r>
+            <a:r>
+              <a:rPr lang="en-US" sz="900" dirty="0" err="1"/>
+              <a:t>CoSMUS</a:t>
+            </a:r>
+            <a:r>
+              <a:rPr lang="en-US" sz="900" dirty="0"/>
+              <a:t> (Co-</a:t>
+            </a:r>
+            <a:r>
+              <a:rPr lang="en-US" sz="900" dirty="0" err="1"/>
+              <a:t>rium</a:t>
+            </a:r>
+            <a:r>
+              <a:rPr lang="en-US" sz="900" dirty="0"/>
+              <a:t> Simulant Melt Underwater Spreading) facility.</a:t>
+            </a:r>
+            <a:endParaRPr lang="en-GB" sz="900" dirty="0"/>
+          </a:p>
+        </p:txBody>
+      </p:sp>
     </p:spTree>
     <p:extLst>
       <p:ext uri="{BB962C8B-B14F-4D97-AF65-F5344CB8AC3E}">

--- a/img/Research.pptx
+++ b/img/Research.pptx
@@ -126,7 +126,7 @@
   <pc:docChgLst>
     <pc:chgData name="Maneesh Punetha" userId="bdfe3c5c-9e63-47d9-aff0-a14b31d11569" providerId="ADAL" clId="{DAB831E3-6026-4C13-BCE1-A263541474F2}"/>
     <pc:docChg chg="undo custSel addSld delSld modSld modMainMaster">
-      <pc:chgData name="Maneesh Punetha" userId="bdfe3c5c-9e63-47d9-aff0-a14b31d11569" providerId="ADAL" clId="{DAB831E3-6026-4C13-BCE1-A263541474F2}" dt="2022-04-21T11:18:00.958" v="258" actId="1038"/>
+      <pc:chgData name="Maneesh Punetha" userId="bdfe3c5c-9e63-47d9-aff0-a14b31d11569" providerId="ADAL" clId="{DAB831E3-6026-4C13-BCE1-A263541474F2}" dt="2022-04-21T11:29:58.457" v="293" actId="20577"/>
       <pc:docMkLst>
         <pc:docMk/>
       </pc:docMkLst>
@@ -201,7 +201,7 @@
         </pc:sldMkLst>
       </pc:sldChg>
       <pc:sldChg chg="addSp delSp modSp mod">
-        <pc:chgData name="Maneesh Punetha" userId="bdfe3c5c-9e63-47d9-aff0-a14b31d11569" providerId="ADAL" clId="{DAB831E3-6026-4C13-BCE1-A263541474F2}" dt="2022-04-21T11:18:00.958" v="258" actId="1038"/>
+        <pc:chgData name="Maneesh Punetha" userId="bdfe3c5c-9e63-47d9-aff0-a14b31d11569" providerId="ADAL" clId="{DAB831E3-6026-4C13-BCE1-A263541474F2}" dt="2022-04-21T11:29:58.457" v="293" actId="20577"/>
         <pc:sldMkLst>
           <pc:docMk/>
           <pc:sldMk cId="323621980" sldId="266"/>
@@ -231,7 +231,7 @@
           </ac:spMkLst>
         </pc:spChg>
         <pc:spChg chg="add mod">
-          <ac:chgData name="Maneesh Punetha" userId="bdfe3c5c-9e63-47d9-aff0-a14b31d11569" providerId="ADAL" clId="{DAB831E3-6026-4C13-BCE1-A263541474F2}" dt="2022-04-21T11:18:00.958" v="258" actId="1038"/>
+          <ac:chgData name="Maneesh Punetha" userId="bdfe3c5c-9e63-47d9-aff0-a14b31d11569" providerId="ADAL" clId="{DAB831E3-6026-4C13-BCE1-A263541474F2}" dt="2022-04-21T11:29:58.457" v="293" actId="20577"/>
           <ac:spMkLst>
             <pc:docMk/>
             <pc:sldMk cId="323621980" sldId="266"/>
@@ -4079,7 +4079,7 @@
           </ac:grpSpMkLst>
         </pc:grpChg>
         <pc:grpChg chg="add mod">
-          <ac:chgData name="Maneesh Punetha" userId="bdfe3c5c-9e63-47d9-aff0-a14b31d11569" providerId="ADAL" clId="{DAB831E3-6026-4C13-BCE1-A263541474F2}" dt="2022-04-21T10:42:56.391" v="60" actId="1035"/>
+          <ac:chgData name="Maneesh Punetha" userId="bdfe3c5c-9e63-47d9-aff0-a14b31d11569" providerId="ADAL" clId="{DAB831E3-6026-4C13-BCE1-A263541474F2}" dt="2022-04-21T11:26:46.300" v="275" actId="1036"/>
           <ac:grpSpMkLst>
             <pc:docMk/>
             <pc:sldMk cId="323621980" sldId="266"/>
@@ -4119,7 +4119,7 @@
           </ac:grpSpMkLst>
         </pc:grpChg>
         <pc:grpChg chg="add mod">
-          <ac:chgData name="Maneesh Punetha" userId="bdfe3c5c-9e63-47d9-aff0-a14b31d11569" providerId="ADAL" clId="{DAB831E3-6026-4C13-BCE1-A263541474F2}" dt="2022-04-21T10:42:56.391" v="60" actId="1035"/>
+          <ac:chgData name="Maneesh Punetha" userId="bdfe3c5c-9e63-47d9-aff0-a14b31d11569" providerId="ADAL" clId="{DAB831E3-6026-4C13-BCE1-A263541474F2}" dt="2022-04-21T11:26:46.300" v="275" actId="1036"/>
           <ac:grpSpMkLst>
             <pc:docMk/>
             <pc:sldMk cId="323621980" sldId="266"/>
@@ -8014,7 +8014,7 @@
         </p:nvGrpSpPr>
         <p:grpSpPr>
           <a:xfrm>
-            <a:off x="4507605" y="148952"/>
+            <a:off x="4523647" y="84784"/>
             <a:ext cx="2700924" cy="2389569"/>
             <a:chOff x="-73950" y="-22484"/>
             <a:chExt cx="2700924" cy="2389569"/>
@@ -11871,7 +11871,7 @@
         </p:nvGrpSpPr>
         <p:grpSpPr>
           <a:xfrm>
-            <a:off x="4463064" y="2922709"/>
+            <a:off x="4479106" y="2858541"/>
             <a:ext cx="3096611" cy="2261992"/>
             <a:chOff x="-73950" y="2688010"/>
             <a:chExt cx="3096611" cy="2261992"/>
@@ -16099,8 +16099,8 @@
         </p:nvSpPr>
         <p:spPr>
           <a:xfrm>
-            <a:off x="56148" y="40107"/>
-            <a:ext cx="4431820" cy="5364610"/>
+            <a:off x="56148" y="80212"/>
+            <a:ext cx="4499851" cy="5280676"/>
           </a:xfrm>
           <a:prstGeom prst="rect">
             <a:avLst/>
@@ -16115,16 +16115,16 @@
           <a:p>
             <a:pPr>
               <a:lnSpc>
-                <a:spcPct val="150000"/>
+                <a:spcPct val="114000"/>
               </a:lnSpc>
               <a:spcAft>
                 <a:spcPts val="1200"/>
               </a:spcAft>
             </a:pPr>
             <a:r>
-              <a:rPr lang="en-GB" sz="900" dirty="0">
+              <a:rPr lang="en-GB" sz="1000" dirty="0">
                 <a:effectLst/>
-                <a:latin typeface="Calibri" panose="020F0502020204030204" pitchFamily="34" charset="0"/>
+                <a:latin typeface="+mj-lt"/>
                 <a:ea typeface="Calibri" panose="020F0502020204030204" pitchFamily="34" charset="0"/>
                 <a:cs typeface="Arial" panose="020B0604020202020204" pitchFamily="34" charset="0"/>
               </a:rPr>
@@ -16134,22 +16134,22 @@
           <a:p>
             <a:pPr>
               <a:lnSpc>
-                <a:spcPct val="150000"/>
+                <a:spcPct val="114000"/>
               </a:lnSpc>
               <a:spcAft>
                 <a:spcPts val="1200"/>
               </a:spcAft>
             </a:pPr>
             <a:r>
-              <a:rPr lang="en-US" sz="900" dirty="0">
-                <a:latin typeface="Calibri" panose="020F0502020204030204" pitchFamily="34" charset="0"/>
+              <a:rPr lang="en-US" sz="1000" dirty="0">
+                <a:latin typeface="+mj-lt"/>
                 <a:ea typeface="Calibri" panose="020F0502020204030204" pitchFamily="34" charset="0"/>
                 <a:cs typeface="Arial" panose="020B0604020202020204" pitchFamily="34" charset="0"/>
               </a:rPr>
               <a:t>Schematic of corium melt spreading on the shallow pool containment cavity post reactor meltdown is shown in Figure (a). Here, the large surface area of the melt after spreading significantly enhances the corium cooling. Different flow regions exist while spreading; jet region, impingement region, and spreading region. These three regions are shown in Figure (b). During first two regions the melt is barely cooled. The main cooling occurs in melt spreading region, where melt loses all heat to the coolant pool and containment structure.</a:t>
             </a:r>
-            <a:endParaRPr lang="en-GB" sz="900" dirty="0">
-              <a:latin typeface="Calibri" panose="020F0502020204030204" pitchFamily="34" charset="0"/>
+            <a:endParaRPr lang="en-GB" sz="1000" dirty="0">
+              <a:latin typeface="+mj-lt"/>
               <a:ea typeface="Calibri" panose="020F0502020204030204" pitchFamily="34" charset="0"/>
               <a:cs typeface="Arial" panose="020B0604020202020204" pitchFamily="34" charset="0"/>
             </a:endParaRPr>
@@ -16157,78 +16157,100 @@
           <a:p>
             <a:pPr>
               <a:lnSpc>
-                <a:spcPct val="150000"/>
+                <a:spcPct val="114000"/>
               </a:lnSpc>
               <a:spcAft>
                 <a:spcPts val="1200"/>
               </a:spcAft>
             </a:pPr>
             <a:r>
-              <a:rPr lang="en-US" sz="900" dirty="0">
+              <a:rPr lang="en-US" sz="1000" dirty="0">
                 <a:effectLst/>
-                <a:latin typeface="Calibri" panose="020F0502020204030204" pitchFamily="34" charset="0"/>
+                <a:latin typeface="+mj-lt"/>
                 <a:ea typeface="Calibri" panose="020F0502020204030204" pitchFamily="34" charset="0"/>
                 <a:cs typeface="Arial" panose="020B0604020202020204" pitchFamily="34" charset="0"/>
               </a:rPr>
               <a:t>The spreading in the pool is governed by three main forces i.e. the gravity force, inertia force, and viscous force. Corresponding to these acting forces, the spreading can be inertia-dominated, viscous-dominated.  The gravity force spread melt over the substrate surface until the molecular forces or solidification of melt front stops its movement. On the other hand, the viscous force and inertia force compete among each other. The spreading is inertia-gravity dominated when inertia force, </a:t>
             </a:r>
             <a:r>
-              <a:rPr lang="en-US" sz="900" dirty="0" err="1">
+              <a:rPr lang="en-US" sz="1000" dirty="0" err="1">
                 <a:effectLst/>
-                <a:latin typeface="Calibri" panose="020F0502020204030204" pitchFamily="34" charset="0"/>
+                <a:latin typeface="+mj-lt"/>
                 <a:ea typeface="Calibri" panose="020F0502020204030204" pitchFamily="34" charset="0"/>
                 <a:cs typeface="Arial" panose="020B0604020202020204" pitchFamily="34" charset="0"/>
               </a:rPr>
               <a:t>ρ_m</a:t>
             </a:r>
             <a:r>
-              <a:rPr lang="en-US" sz="900" dirty="0">
+              <a:rPr lang="en-US" sz="1000" dirty="0">
                 <a:effectLst/>
-                <a:latin typeface="Calibri" panose="020F0502020204030204" pitchFamily="34" charset="0"/>
+                <a:latin typeface="+mj-lt"/>
                 <a:ea typeface="Calibri" panose="020F0502020204030204" pitchFamily="34" charset="0"/>
                 <a:cs typeface="Arial" panose="020B0604020202020204" pitchFamily="34" charset="0"/>
               </a:rPr>
               <a:t>∙(U×U)≫ viscous force, μ∇^2 U. It will be viscous gravity dominated when viscous force, μ∇^2 U≫  inertia force, </a:t>
             </a:r>
             <a:r>
-              <a:rPr lang="en-US" sz="900" dirty="0" err="1">
+              <a:rPr lang="en-US" sz="1000" dirty="0" err="1">
                 <a:effectLst/>
-                <a:latin typeface="Calibri" panose="020F0502020204030204" pitchFamily="34" charset="0"/>
+                <a:latin typeface="+mj-lt"/>
                 <a:ea typeface="Calibri" panose="020F0502020204030204" pitchFamily="34" charset="0"/>
                 <a:cs typeface="Arial" panose="020B0604020202020204" pitchFamily="34" charset="0"/>
               </a:rPr>
               <a:t>ρ_m</a:t>
             </a:r>
             <a:r>
-              <a:rPr lang="en-US" sz="900" dirty="0">
+              <a:rPr lang="en-US" sz="1000" dirty="0">
                 <a:effectLst/>
-                <a:latin typeface="Calibri" panose="020F0502020204030204" pitchFamily="34" charset="0"/>
+                <a:latin typeface="+mj-lt"/>
                 <a:ea typeface="Calibri" panose="020F0502020204030204" pitchFamily="34" charset="0"/>
                 <a:cs typeface="Arial" panose="020B0604020202020204" pitchFamily="34" charset="0"/>
               </a:rPr>
               <a:t>∙(U×U).  </a:t>
             </a:r>
+          </a:p>
+          <a:p>
+            <a:pPr>
+              <a:lnSpc>
+                <a:spcPct val="114000"/>
+              </a:lnSpc>
+              <a:spcAft>
+                <a:spcPts val="1200"/>
+              </a:spcAft>
+            </a:pPr>
             <a:r>
-              <a:rPr lang="en-US" sz="900" dirty="0"/>
+              <a:rPr lang="en-US" sz="1000" dirty="0">
+                <a:latin typeface="+mj-lt"/>
+              </a:rPr>
               <a:t>We aim to study the corium-coolant interaction during horizontal spreading over the substrate in a shallow pool. Both, the melt jet and impingement regions are skipped during the experiment with the use of a cylindrical gate system in the middle of the test section. A special quartz substrate is introduced which provides several advantages such as, low thermal conductivity, low thermal stress, advanced measurement capabilities. This new facility is known as </a:t>
             </a:r>
             <a:r>
-              <a:rPr lang="en-US" sz="900" dirty="0" err="1"/>
+              <a:rPr lang="en-US" sz="1000" dirty="0" err="1">
+                <a:latin typeface="+mj-lt"/>
+              </a:rPr>
               <a:t>CoSMUS</a:t>
             </a:r>
             <a:r>
-              <a:rPr lang="en-US" sz="900" dirty="0"/>
+              <a:rPr lang="en-US" sz="1000" dirty="0">
+                <a:latin typeface="+mj-lt"/>
+              </a:rPr>
               <a:t> (Co-</a:t>
             </a:r>
             <a:r>
-              <a:rPr lang="en-US" sz="900" dirty="0" err="1"/>
+              <a:rPr lang="en-US" sz="1000" dirty="0" err="1">
+                <a:latin typeface="+mj-lt"/>
+              </a:rPr>
               <a:t>rium</a:t>
             </a:r>
             <a:r>
-              <a:rPr lang="en-US" sz="900" dirty="0"/>
+              <a:rPr lang="en-US" sz="1000" dirty="0">
+                <a:latin typeface="+mj-lt"/>
+              </a:rPr>
               <a:t> Simulant Melt Underwater Spreading) facility.</a:t>
             </a:r>
-            <a:endParaRPr lang="en-GB" sz="900" dirty="0"/>
+            <a:endParaRPr lang="en-GB" sz="1000" dirty="0">
+              <a:latin typeface="+mj-lt"/>
+            </a:endParaRPr>
           </a:p>
         </p:txBody>
       </p:sp>
